--- a/ChemGCNs/results_figure/shap/separate2.pptx
+++ b/ChemGCNs/results_figure/shap/separate2.pptx
@@ -6,7 +6,7 @@
   </p:sldMasterIdLst>
   <p:sldIdLst>
     <p:sldId id="257" r:id="rId2"/>
-    <p:sldId id="258" r:id="rId3"/>
+    <p:sldId id="259" r:id="rId3"/>
   </p:sldIdLst>
   <p:sldSz cx="6119813" cy="4679950"/>
   <p:notesSz cx="6858000" cy="9144000"/>
@@ -250,7 +250,7 @@
           <a:p>
             <a:fld id="{56E1CD91-A199-4E48-9401-4E0FA232E7D1}" type="datetimeFigureOut">
               <a:rPr lang="ko-KR" altLang="en-US" smtClean="0"/>
-              <a:t>2025-11-25</a:t>
+              <a:t>2025-11-29</a:t>
             </a:fld>
             <a:endParaRPr lang="ko-KR" altLang="en-US"/>
           </a:p>
@@ -420,7 +420,7 @@
           <a:p>
             <a:fld id="{56E1CD91-A199-4E48-9401-4E0FA232E7D1}" type="datetimeFigureOut">
               <a:rPr lang="ko-KR" altLang="en-US" smtClean="0"/>
-              <a:t>2025-11-25</a:t>
+              <a:t>2025-11-29</a:t>
             </a:fld>
             <a:endParaRPr lang="ko-KR" altLang="en-US"/>
           </a:p>
@@ -600,7 +600,7 @@
           <a:p>
             <a:fld id="{56E1CD91-A199-4E48-9401-4E0FA232E7D1}" type="datetimeFigureOut">
               <a:rPr lang="ko-KR" altLang="en-US" smtClean="0"/>
-              <a:t>2025-11-25</a:t>
+              <a:t>2025-11-29</a:t>
             </a:fld>
             <a:endParaRPr lang="ko-KR" altLang="en-US"/>
           </a:p>
@@ -770,7 +770,7 @@
           <a:p>
             <a:fld id="{56E1CD91-A199-4E48-9401-4E0FA232E7D1}" type="datetimeFigureOut">
               <a:rPr lang="ko-KR" altLang="en-US" smtClean="0"/>
-              <a:t>2025-11-25</a:t>
+              <a:t>2025-11-29</a:t>
             </a:fld>
             <a:endParaRPr lang="ko-KR" altLang="en-US"/>
           </a:p>
@@ -1014,7 +1014,7 @@
           <a:p>
             <a:fld id="{56E1CD91-A199-4E48-9401-4E0FA232E7D1}" type="datetimeFigureOut">
               <a:rPr lang="ko-KR" altLang="en-US" smtClean="0"/>
-              <a:t>2025-11-25</a:t>
+              <a:t>2025-11-29</a:t>
             </a:fld>
             <a:endParaRPr lang="ko-KR" altLang="en-US"/>
           </a:p>
@@ -1246,7 +1246,7 @@
           <a:p>
             <a:fld id="{56E1CD91-A199-4E48-9401-4E0FA232E7D1}" type="datetimeFigureOut">
               <a:rPr lang="ko-KR" altLang="en-US" smtClean="0"/>
-              <a:t>2025-11-25</a:t>
+              <a:t>2025-11-29</a:t>
             </a:fld>
             <a:endParaRPr lang="ko-KR" altLang="en-US"/>
           </a:p>
@@ -1613,7 +1613,7 @@
           <a:p>
             <a:fld id="{56E1CD91-A199-4E48-9401-4E0FA232E7D1}" type="datetimeFigureOut">
               <a:rPr lang="ko-KR" altLang="en-US" smtClean="0"/>
-              <a:t>2025-11-25</a:t>
+              <a:t>2025-11-29</a:t>
             </a:fld>
             <a:endParaRPr lang="ko-KR" altLang="en-US"/>
           </a:p>
@@ -1731,7 +1731,7 @@
           <a:p>
             <a:fld id="{56E1CD91-A199-4E48-9401-4E0FA232E7D1}" type="datetimeFigureOut">
               <a:rPr lang="ko-KR" altLang="en-US" smtClean="0"/>
-              <a:t>2025-11-25</a:t>
+              <a:t>2025-11-29</a:t>
             </a:fld>
             <a:endParaRPr lang="ko-KR" altLang="en-US"/>
           </a:p>
@@ -1826,7 +1826,7 @@
           <a:p>
             <a:fld id="{56E1CD91-A199-4E48-9401-4E0FA232E7D1}" type="datetimeFigureOut">
               <a:rPr lang="ko-KR" altLang="en-US" smtClean="0"/>
-              <a:t>2025-11-25</a:t>
+              <a:t>2025-11-29</a:t>
             </a:fld>
             <a:endParaRPr lang="ko-KR" altLang="en-US"/>
           </a:p>
@@ -2103,7 +2103,7 @@
           <a:p>
             <a:fld id="{56E1CD91-A199-4E48-9401-4E0FA232E7D1}" type="datetimeFigureOut">
               <a:rPr lang="ko-KR" altLang="en-US" smtClean="0"/>
-              <a:t>2025-11-25</a:t>
+              <a:t>2025-11-29</a:t>
             </a:fld>
             <a:endParaRPr lang="ko-KR" altLang="en-US"/>
           </a:p>
@@ -2360,7 +2360,7 @@
           <a:p>
             <a:fld id="{56E1CD91-A199-4E48-9401-4E0FA232E7D1}" type="datetimeFigureOut">
               <a:rPr lang="ko-KR" altLang="en-US" smtClean="0"/>
-              <a:t>2025-11-25</a:t>
+              <a:t>2025-11-29</a:t>
             </a:fld>
             <a:endParaRPr lang="ko-KR" altLang="en-US"/>
           </a:p>
@@ -2573,7 +2573,7 @@
           <a:p>
             <a:fld id="{56E1CD91-A199-4E48-9401-4E0FA232E7D1}" type="datetimeFigureOut">
               <a:rPr lang="ko-KR" altLang="en-US" smtClean="0"/>
-              <a:t>2025-11-25</a:t>
+              <a:t>2025-11-29</a:t>
             </a:fld>
             <a:endParaRPr lang="ko-KR" altLang="en-US"/>
           </a:p>
@@ -2984,64 +2984,12 @@
           <a:chExt cx="0" cy="0"/>
         </a:xfrm>
       </p:grpSpPr>
-      <p:sp>
-        <p:nvSpPr>
-          <p:cNvPr id="30" name="TextBox 29">
+      <p:pic>
+        <p:nvPicPr>
+          <p:cNvPr id="2" name="그림 1">
             <a:extLst>
               <a:ext uri="{FF2B5EF4-FFF2-40B4-BE49-F238E27FC236}">
-                <a16:creationId xmlns:a16="http://schemas.microsoft.com/office/drawing/2014/main" id="{355BC020-11C7-1C76-E84B-2BEBA43962A6}"/>
-              </a:ext>
-            </a:extLst>
-          </p:cNvPr>
-          <p:cNvSpPr txBox="1"/>
-          <p:nvPr/>
-        </p:nvSpPr>
-        <p:spPr>
-          <a:xfrm>
-            <a:off x="2381650" y="2161562"/>
-            <a:ext cx="1356507" cy="246221"/>
-          </a:xfrm>
-          <a:prstGeom prst="rect">
-            <a:avLst/>
-          </a:prstGeom>
-          <a:noFill/>
-        </p:spPr>
-        <p:txBody>
-          <a:bodyPr wrap="square" rtlCol="0">
-            <a:spAutoFit/>
-          </a:bodyPr>
-          <a:lstStyle/>
-          <a:p>
-            <a:pPr algn="ctr"/>
-            <a:r>
-              <a:rPr lang="en-US" altLang="ko-KR" sz="1000" dirty="0">
-                <a:latin typeface="Sans Serif Collection" panose="020B0502040504020204" pitchFamily="34" charset="0"/>
-                <a:ea typeface="Sans Serif Collection" panose="020B0502040504020204" pitchFamily="34" charset="0"/>
-                <a:cs typeface="Sans Serif Collection" panose="020B0502040504020204" pitchFamily="34" charset="0"/>
-              </a:rPr>
-              <a:t>(a) </a:t>
-            </a:r>
-            <a:r>
-              <a:rPr lang="en-US" altLang="ko-KR" sz="1000" dirty="0" err="1">
-                <a:latin typeface="Sans Serif Collection" panose="020B0502040504020204" pitchFamily="34" charset="0"/>
-                <a:ea typeface="Sans Serif Collection" panose="020B0502040504020204" pitchFamily="34" charset="0"/>
-                <a:cs typeface="Sans Serif Collection" panose="020B0502040504020204" pitchFamily="34" charset="0"/>
-              </a:rPr>
-              <a:t>FreeSolv</a:t>
-            </a:r>
-            <a:endParaRPr lang="ko-KR" altLang="en-US" sz="1000" dirty="0">
-              <a:latin typeface="Sans Serif Collection" panose="020B0502040504020204" pitchFamily="34" charset="0"/>
-              <a:cs typeface="Sans Serif Collection" panose="020B0502040504020204" pitchFamily="34" charset="0"/>
-            </a:endParaRPr>
-          </a:p>
-        </p:txBody>
-      </p:sp>
-      <p:pic>
-        <p:nvPicPr>
-          <p:cNvPr id="35" name="그림 34">
-            <a:extLst>
-              <a:ext uri="{FF2B5EF4-FFF2-40B4-BE49-F238E27FC236}">
-                <a16:creationId xmlns:a16="http://schemas.microsoft.com/office/drawing/2014/main" id="{CD45D9C4-EAA1-D1ED-F104-31695EAC53A7}"/>
+                <a16:creationId xmlns:a16="http://schemas.microsoft.com/office/drawing/2014/main" id="{E1C98F0D-5FFE-F5E6-3460-334ADE026251}"/>
               </a:ext>
             </a:extLst>
           </p:cNvPr>
@@ -3064,8 +3012,8 @@
         </p:blipFill>
         <p:spPr>
           <a:xfrm>
-            <a:off x="3059907" y="25957"/>
-            <a:ext cx="3036834" cy="2130396"/>
+            <a:off x="3192857" y="2408260"/>
+            <a:ext cx="2903884" cy="2034480"/>
           </a:xfrm>
           <a:prstGeom prst="rect">
             <a:avLst/>
@@ -3074,10 +3022,10 @@
       </p:pic>
       <p:pic>
         <p:nvPicPr>
-          <p:cNvPr id="7" name="그림 6">
+          <p:cNvPr id="4" name="그림 3">
             <a:extLst>
               <a:ext uri="{FF2B5EF4-FFF2-40B4-BE49-F238E27FC236}">
-                <a16:creationId xmlns:a16="http://schemas.microsoft.com/office/drawing/2014/main" id="{E9C6EBD6-C060-AA88-2F63-E34BBD69CD8D}"/>
+                <a16:creationId xmlns:a16="http://schemas.microsoft.com/office/drawing/2014/main" id="{4032E556-1D7C-5C0E-5B39-5F5CE7FDAD67}"/>
               </a:ext>
             </a:extLst>
           </p:cNvPr>
@@ -3100,20 +3048,80 @@
         </p:blipFill>
         <p:spPr>
           <a:xfrm>
-            <a:off x="23070" y="25957"/>
-            <a:ext cx="3036835" cy="2130396"/>
+            <a:off x="23066" y="2411335"/>
+            <a:ext cx="2903883" cy="2034479"/>
           </a:xfrm>
           <a:prstGeom prst="rect">
             <a:avLst/>
           </a:prstGeom>
         </p:spPr>
       </p:pic>
+      <p:sp>
+        <p:nvSpPr>
+          <p:cNvPr id="30" name="TextBox 29">
+            <a:extLst>
+              <a:ext uri="{FF2B5EF4-FFF2-40B4-BE49-F238E27FC236}">
+                <a16:creationId xmlns:a16="http://schemas.microsoft.com/office/drawing/2014/main" id="{355BC020-11C7-1C76-E84B-2BEBA43962A6}"/>
+              </a:ext>
+            </a:extLst>
+          </p:cNvPr>
+          <p:cNvSpPr txBox="1"/>
+          <p:nvPr/>
+        </p:nvSpPr>
+        <p:spPr>
+          <a:xfrm>
+            <a:off x="718310" y="2106555"/>
+            <a:ext cx="1917483" cy="246221"/>
+          </a:xfrm>
+          <a:prstGeom prst="rect">
+            <a:avLst/>
+          </a:prstGeom>
+          <a:noFill/>
+        </p:spPr>
+        <p:txBody>
+          <a:bodyPr wrap="square" rtlCol="0">
+            <a:spAutoFit/>
+          </a:bodyPr>
+          <a:lstStyle/>
+          <a:p>
+            <a:pPr algn="ctr"/>
+            <a:r>
+              <a:rPr lang="en-US" altLang="ko-KR" sz="1000" dirty="0">
+                <a:latin typeface="Sans Serif Collection" panose="020B0502040504020204" pitchFamily="34" charset="0"/>
+                <a:ea typeface="Sans Serif Collection" panose="020B0502040504020204" pitchFamily="34" charset="0"/>
+                <a:cs typeface="Sans Serif Collection" panose="020B0502040504020204" pitchFamily="34" charset="0"/>
+              </a:rPr>
+              <a:t>(a) </a:t>
+            </a:r>
+            <a:r>
+              <a:rPr lang="en-US" altLang="ko-KR" sz="1000" dirty="0" err="1">
+                <a:latin typeface="Sans Serif Collection" panose="020B0502040504020204" pitchFamily="34" charset="0"/>
+                <a:ea typeface="Sans Serif Collection" panose="020B0502040504020204" pitchFamily="34" charset="0"/>
+                <a:cs typeface="Sans Serif Collection" panose="020B0502040504020204" pitchFamily="34" charset="0"/>
+              </a:rPr>
+              <a:t>FreeSolv</a:t>
+            </a:r>
+            <a:r>
+              <a:rPr lang="en-US" altLang="ko-KR" sz="1000" dirty="0">
+                <a:latin typeface="Sans Serif Collection" panose="020B0502040504020204" pitchFamily="34" charset="0"/>
+                <a:ea typeface="Sans Serif Collection" panose="020B0502040504020204" pitchFamily="34" charset="0"/>
+                <a:cs typeface="Sans Serif Collection" panose="020B0502040504020204" pitchFamily="34" charset="0"/>
+              </a:rPr>
+              <a:t>, Concatenation</a:t>
+            </a:r>
+            <a:endParaRPr lang="ko-KR" altLang="en-US" sz="1000" dirty="0">
+              <a:latin typeface="Sans Serif Collection" panose="020B0502040504020204" pitchFamily="34" charset="0"/>
+              <a:cs typeface="Sans Serif Collection" panose="020B0502040504020204" pitchFamily="34" charset="0"/>
+            </a:endParaRPr>
+          </a:p>
+        </p:txBody>
+      </p:sp>
       <p:pic>
         <p:nvPicPr>
-          <p:cNvPr id="4" name="그림 3">
+          <p:cNvPr id="35" name="그림 34">
             <a:extLst>
               <a:ext uri="{FF2B5EF4-FFF2-40B4-BE49-F238E27FC236}">
-                <a16:creationId xmlns:a16="http://schemas.microsoft.com/office/drawing/2014/main" id="{4032E556-1D7C-5C0E-5B39-5F5CE7FDAD67}"/>
+                <a16:creationId xmlns:a16="http://schemas.microsoft.com/office/drawing/2014/main" id="{CD45D9C4-EAA1-D1ED-F104-31695EAC53A7}"/>
               </a:ext>
             </a:extLst>
           </p:cNvPr>
@@ -3136,8 +3144,8 @@
         </p:blipFill>
         <p:spPr>
           <a:xfrm>
-            <a:off x="23071" y="2382305"/>
-            <a:ext cx="3036835" cy="2127626"/>
+            <a:off x="3196633" y="25957"/>
+            <a:ext cx="2900108" cy="2034480"/>
           </a:xfrm>
           <a:prstGeom prst="rect">
             <a:avLst/>
@@ -3146,10 +3154,10 @@
       </p:pic>
       <p:pic>
         <p:nvPicPr>
-          <p:cNvPr id="2" name="그림 1">
+          <p:cNvPr id="7" name="그림 6">
             <a:extLst>
               <a:ext uri="{FF2B5EF4-FFF2-40B4-BE49-F238E27FC236}">
-                <a16:creationId xmlns:a16="http://schemas.microsoft.com/office/drawing/2014/main" id="{E1C98F0D-5FFE-F5E6-3460-334ADE026251}"/>
+                <a16:creationId xmlns:a16="http://schemas.microsoft.com/office/drawing/2014/main" id="{E9C6EBD6-C060-AA88-2F63-E34BBD69CD8D}"/>
               </a:ext>
             </a:extLst>
           </p:cNvPr>
@@ -3172,8 +3180,8 @@
         </p:blipFill>
         <p:spPr>
           <a:xfrm>
-            <a:off x="3059905" y="2382304"/>
-            <a:ext cx="3036836" cy="2127627"/>
+            <a:off x="23070" y="25957"/>
+            <a:ext cx="2900107" cy="2034479"/>
           </a:xfrm>
           <a:prstGeom prst="rect">
             <a:avLst/>
@@ -3182,10 +3190,10 @@
       </p:pic>
       <p:sp>
         <p:nvSpPr>
-          <p:cNvPr id="3" name="TextBox 2">
+          <p:cNvPr id="8" name="TextBox 7">
             <a:extLst>
               <a:ext uri="{FF2B5EF4-FFF2-40B4-BE49-F238E27FC236}">
-                <a16:creationId xmlns:a16="http://schemas.microsoft.com/office/drawing/2014/main" id="{663B32A3-5026-C91C-4506-C78488289913}"/>
+                <a16:creationId xmlns:a16="http://schemas.microsoft.com/office/drawing/2014/main" id="{8BB73895-EB10-E9D8-8109-E4A0C75A6365}"/>
               </a:ext>
             </a:extLst>
           </p:cNvPr>
@@ -3194,8 +3202,8 @@
         </p:nvSpPr>
         <p:spPr>
           <a:xfrm>
-            <a:off x="2381650" y="4476059"/>
-            <a:ext cx="1356507" cy="246221"/>
+            <a:off x="718310" y="4463061"/>
+            <a:ext cx="1917483" cy="246221"/>
           </a:xfrm>
           <a:prstGeom prst="rect">
             <a:avLst/>
@@ -3215,7 +3223,111 @@
                 <a:ea typeface="Sans Serif Collection" panose="020B0502040504020204" pitchFamily="34" charset="0"/>
                 <a:cs typeface="Sans Serif Collection" panose="020B0502040504020204" pitchFamily="34" charset="0"/>
               </a:rPr>
-              <a:t>(b) ESOL</a:t>
+              <a:t>(c) ESOL, Concatenation</a:t>
+            </a:r>
+            <a:endParaRPr lang="ko-KR" altLang="en-US" sz="1000" dirty="0">
+              <a:latin typeface="Sans Serif Collection" panose="020B0502040504020204" pitchFamily="34" charset="0"/>
+              <a:cs typeface="Sans Serif Collection" panose="020B0502040504020204" pitchFamily="34" charset="0"/>
+            </a:endParaRPr>
+          </a:p>
+        </p:txBody>
+      </p:sp>
+      <p:sp>
+        <p:nvSpPr>
+          <p:cNvPr id="9" name="TextBox 8">
+            <a:extLst>
+              <a:ext uri="{FF2B5EF4-FFF2-40B4-BE49-F238E27FC236}">
+                <a16:creationId xmlns:a16="http://schemas.microsoft.com/office/drawing/2014/main" id="{FACFD373-07A0-03DD-00E7-4053BCDFE04C}"/>
+              </a:ext>
+            </a:extLst>
+          </p:cNvPr>
+          <p:cNvSpPr txBox="1"/>
+          <p:nvPr/>
+        </p:nvSpPr>
+        <p:spPr>
+          <a:xfrm>
+            <a:off x="3954996" y="4463061"/>
+            <a:ext cx="1917483" cy="246221"/>
+          </a:xfrm>
+          <a:prstGeom prst="rect">
+            <a:avLst/>
+          </a:prstGeom>
+          <a:noFill/>
+        </p:spPr>
+        <p:txBody>
+          <a:bodyPr wrap="square" rtlCol="0">
+            <a:spAutoFit/>
+          </a:bodyPr>
+          <a:lstStyle/>
+          <a:p>
+            <a:pPr algn="ctr"/>
+            <a:r>
+              <a:rPr lang="en-US" altLang="ko-KR" sz="1000" dirty="0">
+                <a:latin typeface="Sans Serif Collection" panose="020B0502040504020204" pitchFamily="34" charset="0"/>
+                <a:ea typeface="Sans Serif Collection" panose="020B0502040504020204" pitchFamily="34" charset="0"/>
+                <a:cs typeface="Sans Serif Collection" panose="020B0502040504020204" pitchFamily="34" charset="0"/>
+              </a:rPr>
+              <a:t>(d) ESOL, Kronecker-product</a:t>
+            </a:r>
+            <a:endParaRPr lang="ko-KR" altLang="en-US" sz="1000" dirty="0">
+              <a:latin typeface="Sans Serif Collection" panose="020B0502040504020204" pitchFamily="34" charset="0"/>
+              <a:cs typeface="Sans Serif Collection" panose="020B0502040504020204" pitchFamily="34" charset="0"/>
+            </a:endParaRPr>
+          </a:p>
+        </p:txBody>
+      </p:sp>
+      <p:sp>
+        <p:nvSpPr>
+          <p:cNvPr id="10" name="TextBox 9">
+            <a:extLst>
+              <a:ext uri="{FF2B5EF4-FFF2-40B4-BE49-F238E27FC236}">
+                <a16:creationId xmlns:a16="http://schemas.microsoft.com/office/drawing/2014/main" id="{F39D27C0-B075-792A-C5E7-E5EC5C0536A4}"/>
+              </a:ext>
+            </a:extLst>
+          </p:cNvPr>
+          <p:cNvSpPr txBox="1"/>
+          <p:nvPr/>
+        </p:nvSpPr>
+        <p:spPr>
+          <a:xfrm>
+            <a:off x="3850491" y="2106555"/>
+            <a:ext cx="2100365" cy="246221"/>
+          </a:xfrm>
+          <a:prstGeom prst="rect">
+            <a:avLst/>
+          </a:prstGeom>
+          <a:noFill/>
+        </p:spPr>
+        <p:txBody>
+          <a:bodyPr wrap="square" rtlCol="0">
+            <a:spAutoFit/>
+          </a:bodyPr>
+          <a:lstStyle/>
+          <a:p>
+            <a:pPr algn="ctr"/>
+            <a:r>
+              <a:rPr lang="en-US" altLang="ko-KR" sz="1000" dirty="0">
+                <a:latin typeface="Sans Serif Collection" panose="020B0502040504020204" pitchFamily="34" charset="0"/>
+                <a:ea typeface="Sans Serif Collection" panose="020B0502040504020204" pitchFamily="34" charset="0"/>
+                <a:cs typeface="Sans Serif Collection" panose="020B0502040504020204" pitchFamily="34" charset="0"/>
+              </a:rPr>
+              <a:t>(b) </a:t>
+            </a:r>
+            <a:r>
+              <a:rPr lang="en-US" altLang="ko-KR" sz="1000" dirty="0" err="1">
+                <a:latin typeface="Sans Serif Collection" panose="020B0502040504020204" pitchFamily="34" charset="0"/>
+                <a:ea typeface="Sans Serif Collection" panose="020B0502040504020204" pitchFamily="34" charset="0"/>
+                <a:cs typeface="Sans Serif Collection" panose="020B0502040504020204" pitchFamily="34" charset="0"/>
+              </a:rPr>
+              <a:t>FreeSolv</a:t>
+            </a:r>
+            <a:r>
+              <a:rPr lang="en-US" altLang="ko-KR" sz="1000" dirty="0">
+                <a:latin typeface="Sans Serif Collection" panose="020B0502040504020204" pitchFamily="34" charset="0"/>
+                <a:ea typeface="Sans Serif Collection" panose="020B0502040504020204" pitchFamily="34" charset="0"/>
+                <a:cs typeface="Sans Serif Collection" panose="020B0502040504020204" pitchFamily="34" charset="0"/>
+              </a:rPr>
+              <a:t>, Kronecker-product</a:t>
             </a:r>
             <a:endParaRPr lang="ko-KR" altLang="en-US" sz="1000" dirty="0">
               <a:latin typeface="Sans Serif Collection" panose="020B0502040504020204" pitchFamily="34" charset="0"/>
@@ -3245,7 +3357,7 @@
         <p:cNvPr id="1" name="">
           <a:extLst>
             <a:ext uri="{FF2B5EF4-FFF2-40B4-BE49-F238E27FC236}">
-              <a16:creationId xmlns:a16="http://schemas.microsoft.com/office/drawing/2014/main" id="{8D904B0F-0AF6-6F6C-460F-2D0E4F287266}"/>
+              <a16:creationId xmlns:a16="http://schemas.microsoft.com/office/drawing/2014/main" id="{3529D5AF-89A7-AAFE-530E-8A2BF875C74D}"/>
             </a:ext>
           </a:extLst>
         </p:cNvPr>
@@ -3265,7 +3377,7 @@
           <p:cNvPr id="30" name="TextBox 29">
             <a:extLst>
               <a:ext uri="{FF2B5EF4-FFF2-40B4-BE49-F238E27FC236}">
-                <a16:creationId xmlns:a16="http://schemas.microsoft.com/office/drawing/2014/main" id="{DE41C33D-FB5F-92B1-1FC9-F82434B87CA9}"/>
+                <a16:creationId xmlns:a16="http://schemas.microsoft.com/office/drawing/2014/main" id="{61085C87-840C-0BC4-F605-E52B60A5DE81}"/>
               </a:ext>
             </a:extLst>
           </p:cNvPr>
@@ -3274,8 +3386,8 @@
         </p:nvSpPr>
         <p:spPr>
           <a:xfrm>
-            <a:off x="2381650" y="2161562"/>
-            <a:ext cx="1356507" cy="246221"/>
+            <a:off x="390283" y="2106555"/>
+            <a:ext cx="2396456" cy="246221"/>
           </a:xfrm>
           <a:prstGeom prst="rect">
             <a:avLst/>
@@ -3295,7 +3407,7 @@
                 <a:ea typeface="Sans Serif Collection" panose="020B0502040504020204" pitchFamily="34" charset="0"/>
                 <a:cs typeface="Sans Serif Collection" panose="020B0502040504020204" pitchFamily="34" charset="0"/>
               </a:rPr>
-              <a:t>(a) Vapor Pressure</a:t>
+              <a:t>(a) Vapor pressure, Concatenation</a:t>
             </a:r>
             <a:endParaRPr lang="ko-KR" altLang="en-US" sz="1000" dirty="0">
               <a:latin typeface="Sans Serif Collection" panose="020B0502040504020204" pitchFamily="34" charset="0"/>
@@ -3306,10 +3418,10 @@
       </p:sp>
       <p:sp>
         <p:nvSpPr>
-          <p:cNvPr id="3" name="TextBox 2">
+          <p:cNvPr id="8" name="TextBox 7">
             <a:extLst>
               <a:ext uri="{FF2B5EF4-FFF2-40B4-BE49-F238E27FC236}">
-                <a16:creationId xmlns:a16="http://schemas.microsoft.com/office/drawing/2014/main" id="{6AEF1DA0-2FA1-35CB-C3C3-D35740430A13}"/>
+                <a16:creationId xmlns:a16="http://schemas.microsoft.com/office/drawing/2014/main" id="{3296FB0A-8614-E7C9-8B20-05ACFED4FB48}"/>
               </a:ext>
             </a:extLst>
           </p:cNvPr>
@@ -3318,8 +3430,8 @@
         </p:nvSpPr>
         <p:spPr>
           <a:xfrm>
-            <a:off x="2381650" y="4476059"/>
-            <a:ext cx="1356507" cy="246221"/>
+            <a:off x="718310" y="4463061"/>
+            <a:ext cx="1917483" cy="246221"/>
           </a:xfrm>
           <a:prstGeom prst="rect">
             <a:avLst/>
@@ -3339,7 +3451,7 @@
                 <a:ea typeface="Sans Serif Collection" panose="020B0502040504020204" pitchFamily="34" charset="0"/>
                 <a:cs typeface="Sans Serif Collection" panose="020B0502040504020204" pitchFamily="34" charset="0"/>
               </a:rPr>
-              <a:t>(b) Solubility</a:t>
+              <a:t>(c) Solubility, Concatenation</a:t>
             </a:r>
             <a:endParaRPr lang="ko-KR" altLang="en-US" sz="1000" dirty="0">
               <a:latin typeface="Sans Serif Collection" panose="020B0502040504020204" pitchFamily="34" charset="0"/>
@@ -3348,12 +3460,100 @@
           </a:p>
         </p:txBody>
       </p:sp>
+      <p:sp>
+        <p:nvSpPr>
+          <p:cNvPr id="9" name="TextBox 8">
+            <a:extLst>
+              <a:ext uri="{FF2B5EF4-FFF2-40B4-BE49-F238E27FC236}">
+                <a16:creationId xmlns:a16="http://schemas.microsoft.com/office/drawing/2014/main" id="{9CFB1E7B-473D-C9CC-4954-B787FFF53C44}"/>
+              </a:ext>
+            </a:extLst>
+          </p:cNvPr>
+          <p:cNvSpPr txBox="1"/>
+          <p:nvPr/>
+        </p:nvSpPr>
+        <p:spPr>
+          <a:xfrm>
+            <a:off x="3709853" y="4463061"/>
+            <a:ext cx="2177142" cy="246221"/>
+          </a:xfrm>
+          <a:prstGeom prst="rect">
+            <a:avLst/>
+          </a:prstGeom>
+          <a:noFill/>
+        </p:spPr>
+        <p:txBody>
+          <a:bodyPr wrap="square" rtlCol="0">
+            <a:spAutoFit/>
+          </a:bodyPr>
+          <a:lstStyle/>
+          <a:p>
+            <a:pPr algn="ctr"/>
+            <a:r>
+              <a:rPr lang="en-US" altLang="ko-KR" sz="1000" dirty="0">
+                <a:latin typeface="Sans Serif Collection" panose="020B0502040504020204" pitchFamily="34" charset="0"/>
+                <a:ea typeface="Sans Serif Collection" panose="020B0502040504020204" pitchFamily="34" charset="0"/>
+                <a:cs typeface="Sans Serif Collection" panose="020B0502040504020204" pitchFamily="34" charset="0"/>
+              </a:rPr>
+              <a:t>(d) Solubility, Kronecker-product</a:t>
+            </a:r>
+            <a:endParaRPr lang="ko-KR" altLang="en-US" sz="1000" dirty="0">
+              <a:latin typeface="Sans Serif Collection" panose="020B0502040504020204" pitchFamily="34" charset="0"/>
+              <a:cs typeface="Sans Serif Collection" panose="020B0502040504020204" pitchFamily="34" charset="0"/>
+            </a:endParaRPr>
+          </a:p>
+        </p:txBody>
+      </p:sp>
+      <p:sp>
+        <p:nvSpPr>
+          <p:cNvPr id="10" name="TextBox 9">
+            <a:extLst>
+              <a:ext uri="{FF2B5EF4-FFF2-40B4-BE49-F238E27FC236}">
+                <a16:creationId xmlns:a16="http://schemas.microsoft.com/office/drawing/2014/main" id="{B203F4D4-022E-909C-129D-04F6E00692CF}"/>
+              </a:ext>
+            </a:extLst>
+          </p:cNvPr>
+          <p:cNvSpPr txBox="1"/>
+          <p:nvPr/>
+        </p:nvSpPr>
+        <p:spPr>
+          <a:xfrm>
+            <a:off x="3434080" y="2106555"/>
+            <a:ext cx="2525485" cy="246221"/>
+          </a:xfrm>
+          <a:prstGeom prst="rect">
+            <a:avLst/>
+          </a:prstGeom>
+          <a:noFill/>
+        </p:spPr>
+        <p:txBody>
+          <a:bodyPr wrap="square" rtlCol="0">
+            <a:spAutoFit/>
+          </a:bodyPr>
+          <a:lstStyle/>
+          <a:p>
+            <a:pPr algn="ctr"/>
+            <a:r>
+              <a:rPr lang="en-US" altLang="ko-KR" sz="1000" dirty="0">
+                <a:latin typeface="Sans Serif Collection" panose="020B0502040504020204" pitchFamily="34" charset="0"/>
+                <a:ea typeface="Sans Serif Collection" panose="020B0502040504020204" pitchFamily="34" charset="0"/>
+                <a:cs typeface="Sans Serif Collection" panose="020B0502040504020204" pitchFamily="34" charset="0"/>
+              </a:rPr>
+              <a:t>(b) Vapor pressure, Kronecker-product</a:t>
+            </a:r>
+            <a:endParaRPr lang="ko-KR" altLang="en-US" sz="1000" dirty="0">
+              <a:latin typeface="Sans Serif Collection" panose="020B0502040504020204" pitchFamily="34" charset="0"/>
+              <a:cs typeface="Sans Serif Collection" panose="020B0502040504020204" pitchFamily="34" charset="0"/>
+            </a:endParaRPr>
+          </a:p>
+        </p:txBody>
+      </p:sp>
       <p:pic>
         <p:nvPicPr>
-          <p:cNvPr id="9" name="그림 8">
+          <p:cNvPr id="5" name="그림 4">
             <a:extLst>
               <a:ext uri="{FF2B5EF4-FFF2-40B4-BE49-F238E27FC236}">
-                <a16:creationId xmlns:a16="http://schemas.microsoft.com/office/drawing/2014/main" id="{3D63FEFF-3E85-1E0D-B67D-7EC8DC43419F}"/>
+                <a16:creationId xmlns:a16="http://schemas.microsoft.com/office/drawing/2014/main" id="{0D7153B7-E3BD-DC50-D6F5-826F088AF7D5}"/>
               </a:ext>
             </a:extLst>
           </p:cNvPr>
@@ -3376,8 +3576,8 @@
         </p:blipFill>
         <p:spPr>
           <a:xfrm>
-            <a:off x="3084905" y="26938"/>
-            <a:ext cx="3011836" cy="2127627"/>
+            <a:off x="23066" y="25957"/>
+            <a:ext cx="2900108" cy="2048700"/>
           </a:xfrm>
           <a:prstGeom prst="rect">
             <a:avLst/>
@@ -3389,7 +3589,7 @@
           <p:cNvPr id="11" name="그림 10">
             <a:extLst>
               <a:ext uri="{FF2B5EF4-FFF2-40B4-BE49-F238E27FC236}">
-                <a16:creationId xmlns:a16="http://schemas.microsoft.com/office/drawing/2014/main" id="{DBC5641D-AB91-9595-1ACD-A455065B6665}"/>
+                <a16:creationId xmlns:a16="http://schemas.microsoft.com/office/drawing/2014/main" id="{1A24DBE4-6A4F-5530-C099-F3D578518FBC}"/>
               </a:ext>
             </a:extLst>
           </p:cNvPr>
@@ -3412,8 +3612,8 @@
         </p:blipFill>
         <p:spPr>
           <a:xfrm>
-            <a:off x="23066" y="2382304"/>
-            <a:ext cx="3036836" cy="2130397"/>
+            <a:off x="3200177" y="25957"/>
+            <a:ext cx="2900108" cy="2048701"/>
           </a:xfrm>
           <a:prstGeom prst="rect">
             <a:avLst/>
@@ -3425,7 +3625,7 @@
           <p:cNvPr id="13" name="그림 12">
             <a:extLst>
               <a:ext uri="{FF2B5EF4-FFF2-40B4-BE49-F238E27FC236}">
-                <a16:creationId xmlns:a16="http://schemas.microsoft.com/office/drawing/2014/main" id="{D9586111-0BBA-172D-80CF-469880E18D39}"/>
+                <a16:creationId xmlns:a16="http://schemas.microsoft.com/office/drawing/2014/main" id="{E59CAA84-F7FF-1B0D-99F4-84A132A75C65}"/>
               </a:ext>
             </a:extLst>
           </p:cNvPr>
@@ -3448,8 +3648,8 @@
         </p:blipFill>
         <p:spPr>
           <a:xfrm>
-            <a:off x="3080983" y="2382303"/>
-            <a:ext cx="3015758" cy="2130398"/>
+            <a:off x="19528" y="2408260"/>
+            <a:ext cx="2900109" cy="2034480"/>
           </a:xfrm>
           <a:prstGeom prst="rect">
             <a:avLst/>
@@ -3461,7 +3661,7 @@
           <p:cNvPr id="15" name="그림 14">
             <a:extLst>
               <a:ext uri="{FF2B5EF4-FFF2-40B4-BE49-F238E27FC236}">
-                <a16:creationId xmlns:a16="http://schemas.microsoft.com/office/drawing/2014/main" id="{CD6F26BA-A4F8-C6EA-9A8D-6064FF6CFA87}"/>
+                <a16:creationId xmlns:a16="http://schemas.microsoft.com/office/drawing/2014/main" id="{8C5A2346-FA9C-F922-5666-88940C23E138}"/>
               </a:ext>
             </a:extLst>
           </p:cNvPr>
@@ -3484,8 +3684,8 @@
         </p:blipFill>
         <p:spPr>
           <a:xfrm>
-            <a:off x="48067" y="26937"/>
-            <a:ext cx="3011835" cy="2127627"/>
+            <a:off x="3196638" y="2394038"/>
+            <a:ext cx="2900109" cy="2048701"/>
           </a:xfrm>
           <a:prstGeom prst="rect">
             <a:avLst/>
@@ -3495,7 +3695,7 @@
     </p:spTree>
     <p:extLst>
       <p:ext uri="{BB962C8B-B14F-4D97-AF65-F5344CB8AC3E}">
-        <p14:creationId xmlns:p14="http://schemas.microsoft.com/office/powerpoint/2010/main" val="785451598"/>
+        <p14:creationId xmlns:p14="http://schemas.microsoft.com/office/powerpoint/2010/main" val="1487082255"/>
       </p:ext>
     </p:extLst>
   </p:cSld>
